--- a/Figures/Chapter_14/drawings/Philly_PA_USA.pptx
+++ b/Figures/Chapter_14/drawings/Philly_PA_USA.pptx
@@ -107,6 +107,11 @@
       </a:defRPr>
     </a:lvl9pPr>
   </p:defaultTextStyle>
+  <p:extLst>
+    <p:ext uri="{EFAFB233-063F-42B5-8137-9DF3F51BA10A}">
+      <p15:sldGuideLst xmlns:p15="http://schemas.microsoft.com/office/powerpoint/2012/main"/>
+    </p:ext>
+  </p:extLst>
 </p:presentation>
 </file>
 
@@ -192,7 +197,7 @@
           <a:p>
             <a:fld id="{E14CC003-B0FD-4D58-ACDD-0EEC1568E6DF}" type="datetimeFigureOut">
               <a:rPr lang="en-GB" smtClean="0"/>
-              <a:t>25/08/2023</a:t>
+              <a:t>31/08/2023</a:t>
             </a:fld>
             <a:endParaRPr lang="en-GB"/>
           </a:p>
@@ -609,7 +614,7 @@
           <a:p>
             <a:fld id="{34FBDCC6-4DD2-4D0E-88B9-08BA44289AC2}" type="datetimeFigureOut">
               <a:rPr lang="en-GB" smtClean="0"/>
-              <a:t>25/08/2023</a:t>
+              <a:t>31/08/2023</a:t>
             </a:fld>
             <a:endParaRPr lang="en-GB"/>
           </a:p>
@@ -809,7 +814,7 @@
           <a:p>
             <a:fld id="{34FBDCC6-4DD2-4D0E-88B9-08BA44289AC2}" type="datetimeFigureOut">
               <a:rPr lang="en-GB" smtClean="0"/>
-              <a:t>25/08/2023</a:t>
+              <a:t>31/08/2023</a:t>
             </a:fld>
             <a:endParaRPr lang="en-GB"/>
           </a:p>
@@ -1019,7 +1024,7 @@
           <a:p>
             <a:fld id="{34FBDCC6-4DD2-4D0E-88B9-08BA44289AC2}" type="datetimeFigureOut">
               <a:rPr lang="en-GB" smtClean="0"/>
-              <a:t>25/08/2023</a:t>
+              <a:t>31/08/2023</a:t>
             </a:fld>
             <a:endParaRPr lang="en-GB"/>
           </a:p>
@@ -1219,7 +1224,7 @@
           <a:p>
             <a:fld id="{34FBDCC6-4DD2-4D0E-88B9-08BA44289AC2}" type="datetimeFigureOut">
               <a:rPr lang="en-GB" smtClean="0"/>
-              <a:t>25/08/2023</a:t>
+              <a:t>31/08/2023</a:t>
             </a:fld>
             <a:endParaRPr lang="en-GB"/>
           </a:p>
@@ -1495,7 +1500,7 @@
           <a:p>
             <a:fld id="{34FBDCC6-4DD2-4D0E-88B9-08BA44289AC2}" type="datetimeFigureOut">
               <a:rPr lang="en-GB" smtClean="0"/>
-              <a:t>25/08/2023</a:t>
+              <a:t>31/08/2023</a:t>
             </a:fld>
             <a:endParaRPr lang="en-GB"/>
           </a:p>
@@ -1763,7 +1768,7 @@
           <a:p>
             <a:fld id="{34FBDCC6-4DD2-4D0E-88B9-08BA44289AC2}" type="datetimeFigureOut">
               <a:rPr lang="en-GB" smtClean="0"/>
-              <a:t>25/08/2023</a:t>
+              <a:t>31/08/2023</a:t>
             </a:fld>
             <a:endParaRPr lang="en-GB"/>
           </a:p>
@@ -2178,7 +2183,7 @@
           <a:p>
             <a:fld id="{34FBDCC6-4DD2-4D0E-88B9-08BA44289AC2}" type="datetimeFigureOut">
               <a:rPr lang="en-GB" smtClean="0"/>
-              <a:t>25/08/2023</a:t>
+              <a:t>31/08/2023</a:t>
             </a:fld>
             <a:endParaRPr lang="en-GB"/>
           </a:p>
@@ -2320,7 +2325,7 @@
           <a:p>
             <a:fld id="{34FBDCC6-4DD2-4D0E-88B9-08BA44289AC2}" type="datetimeFigureOut">
               <a:rPr lang="en-GB" smtClean="0"/>
-              <a:t>25/08/2023</a:t>
+              <a:t>31/08/2023</a:t>
             </a:fld>
             <a:endParaRPr lang="en-GB"/>
           </a:p>
@@ -2433,7 +2438,7 @@
           <a:p>
             <a:fld id="{34FBDCC6-4DD2-4D0E-88B9-08BA44289AC2}" type="datetimeFigureOut">
               <a:rPr lang="en-GB" smtClean="0"/>
-              <a:t>25/08/2023</a:t>
+              <a:t>31/08/2023</a:t>
             </a:fld>
             <a:endParaRPr lang="en-GB"/>
           </a:p>
@@ -2746,7 +2751,7 @@
           <a:p>
             <a:fld id="{34FBDCC6-4DD2-4D0E-88B9-08BA44289AC2}" type="datetimeFigureOut">
               <a:rPr lang="en-GB" smtClean="0"/>
-              <a:t>25/08/2023</a:t>
+              <a:t>31/08/2023</a:t>
             </a:fld>
             <a:endParaRPr lang="en-GB"/>
           </a:p>
@@ -3035,7 +3040,7 @@
           <a:p>
             <a:fld id="{34FBDCC6-4DD2-4D0E-88B9-08BA44289AC2}" type="datetimeFigureOut">
               <a:rPr lang="en-GB" smtClean="0"/>
-              <a:t>25/08/2023</a:t>
+              <a:t>31/08/2023</a:t>
             </a:fld>
             <a:endParaRPr lang="en-GB"/>
           </a:p>
@@ -3278,7 +3283,7 @@
           <a:p>
             <a:fld id="{34FBDCC6-4DD2-4D0E-88B9-08BA44289AC2}" type="datetimeFigureOut">
               <a:rPr lang="en-GB" smtClean="0"/>
-              <a:t>25/08/2023</a:t>
+              <a:t>31/08/2023</a:t>
             </a:fld>
             <a:endParaRPr lang="en-GB"/>
           </a:p>
